--- a/restricted/slides7m.pptx
+++ b/restricted/slides7m.pptx
@@ -5751,22 +5751,7 @@
                 <a:uFillTx/>
                 <a:latin typeface="Comic Sans MS" pitchFamily="66" charset="0"/>
               </a:rPr>
-              <a:t>Albert R Meyer, </a:t>
-            </a:r>
-            <a:r>
-              <a:rPr kumimoji="0" lang="en-US" sz="1200" b="0" i="0" u="none" strike="noStrike" kern="1200" cap="none" spc="0" normalizeH="0" baseline="0" noProof="0" dirty="0" smtClean="0">
-                <a:ln>
-                  <a:noFill/>
-                </a:ln>
-                <a:solidFill>
-                  <a:schemeClr val="tx1"/>
-                </a:solidFill>
-                <a:effectLst/>
-                <a:uLnTx/>
-                <a:uFillTx/>
-                <a:latin typeface="Comic Sans MS" pitchFamily="66" charset="0"/>
-              </a:rPr>
-              <a:t> March 15, 2010</a:t>
+              <a:t>Albert R Meyer,  March 15, 2010</a:t>
             </a:r>
             <a:endParaRPr kumimoji="0" lang="en-US" sz="1200" b="0" i="0" u="none" strike="noStrike" kern="1200" cap="none" spc="0" normalizeH="0" baseline="0" noProof="0" dirty="0">
               <a:ln>
@@ -10496,17 +10481,20 @@
               <a:buNone/>
             </a:pPr>
             <a:r>
-              <a:rPr lang="en-US" sz="5400" i="1" dirty="0" smtClean="0">
+              <a:rPr lang="en-US" sz="5400" i="1" smtClean="0">
                 <a:sym typeface="Euclid Symbol" pitchFamily="18" charset="2"/>
               </a:rPr>
-              <a:t>lemma:</a:t>
-            </a:r>
-            <a:r>
-              <a:rPr lang="en-US" sz="6000" i="1" dirty="0" smtClean="0">
+              <a:t>lemma</a:t>
+            </a:r>
+            <a:r>
+              <a:rPr lang="en-US" sz="5400" i="1" smtClean="0">
                 <a:sym typeface="Euclid Symbol" pitchFamily="18" charset="2"/>
               </a:rPr>
-              <a:t> </a:t>
-            </a:r>
+              <a:t>:</a:t>
+            </a:r>
+            <a:endParaRPr lang="en-US" sz="6000" i="1" smtClean="0">
+              <a:sym typeface="Euclid Symbol" pitchFamily="18" charset="2"/>
+            </a:endParaRPr>
           </a:p>
           <a:p>
             <a:pPr lvl="1" algn="ctr">
